--- a/ppt 16-9/0444.马可楼祷告歌.pptx
+++ b/ppt 16-9/0444.马可楼祷告歌.pptx
@@ -5,7 +5,7 @@
     <p:sldMasterId id="2147483648" r:id="rId1"/>
   </p:sldMasterIdLst>
   <p:sldIdLst>
-    <p:sldId id="2934" r:id="rId2"/>
+    <p:sldId id="2935" r:id="rId2"/>
   </p:sldIdLst>
   <p:sldSz cx="12192000" cy="6858000"/>
   <p:notesSz cx="6858000" cy="9144000"/>
@@ -129,7 +129,7 @@
           <p:cNvPr id="2" name="标题 1">
             <a:extLst>
               <a:ext uri="{FF2B5EF4-FFF2-40B4-BE49-F238E27FC236}">
-                <a16:creationId xmlns:a16="http://schemas.microsoft.com/office/drawing/2014/main" id="{D38FB3BC-6E4C-5631-DB88-DDC4D3016987}"/>
+                <a16:creationId xmlns:a16="http://schemas.microsoft.com/office/drawing/2014/main" id="{8F63E50E-2A57-6B2A-AF82-701167078843}"/>
               </a:ext>
             </a:extLst>
           </p:cNvPr>
@@ -166,7 +166,7 @@
           <p:cNvPr id="3" name="副标题 2">
             <a:extLst>
               <a:ext uri="{FF2B5EF4-FFF2-40B4-BE49-F238E27FC236}">
-                <a16:creationId xmlns:a16="http://schemas.microsoft.com/office/drawing/2014/main" id="{1019BBCD-ADF7-1312-FB9C-385AA2C0695B}"/>
+                <a16:creationId xmlns:a16="http://schemas.microsoft.com/office/drawing/2014/main" id="{BB91CF10-65A8-BADA-8A3B-674751DC18E3}"/>
               </a:ext>
             </a:extLst>
           </p:cNvPr>
@@ -236,7 +236,7 @@
           <p:cNvPr id="4" name="日期占位符 3">
             <a:extLst>
               <a:ext uri="{FF2B5EF4-FFF2-40B4-BE49-F238E27FC236}">
-                <a16:creationId xmlns:a16="http://schemas.microsoft.com/office/drawing/2014/main" id="{7BB91937-763C-EF20-0E16-9A7C34B987C6}"/>
+                <a16:creationId xmlns:a16="http://schemas.microsoft.com/office/drawing/2014/main" id="{7C73BD3F-50DB-8A93-BEAC-DDF54A54A575}"/>
               </a:ext>
             </a:extLst>
           </p:cNvPr>
@@ -252,7 +252,7 @@
           <a:bodyPr/>
           <a:lstStyle/>
           <a:p>
-            <a:fld id="{717CC213-EA89-47D3-9CF2-09B09F73E8D1}" type="datetimeFigureOut">
+            <a:fld id="{7FD5EAF6-E84F-4CE3-A0C0-E5E5938F4B3C}" type="datetimeFigureOut">
               <a:rPr lang="zh-CN" altLang="en-US" smtClean="0"/>
               <a:t>2024/3/10</a:t>
             </a:fld>
@@ -265,7 +265,7 @@
           <p:cNvPr id="5" name="页脚占位符 4">
             <a:extLst>
               <a:ext uri="{FF2B5EF4-FFF2-40B4-BE49-F238E27FC236}">
-                <a16:creationId xmlns:a16="http://schemas.microsoft.com/office/drawing/2014/main" id="{B6C709AB-062C-BC18-B883-5722F409E535}"/>
+                <a16:creationId xmlns:a16="http://schemas.microsoft.com/office/drawing/2014/main" id="{C21E7BAC-63A7-E7D7-ACEE-C6B0093F3837}"/>
               </a:ext>
             </a:extLst>
           </p:cNvPr>
@@ -290,7 +290,7 @@
           <p:cNvPr id="6" name="灯片编号占位符 5">
             <a:extLst>
               <a:ext uri="{FF2B5EF4-FFF2-40B4-BE49-F238E27FC236}">
-                <a16:creationId xmlns:a16="http://schemas.microsoft.com/office/drawing/2014/main" id="{F6E36F90-6A22-D1F2-224C-A06FBE97C045}"/>
+                <a16:creationId xmlns:a16="http://schemas.microsoft.com/office/drawing/2014/main" id="{5D4E2514-08CD-157C-A949-A9DA9C1BB8B3}"/>
               </a:ext>
             </a:extLst>
           </p:cNvPr>
@@ -306,7 +306,7 @@
           <a:bodyPr/>
           <a:lstStyle/>
           <a:p>
-            <a:fld id="{DD314FD8-41B2-47FA-BD73-4B682B0B5187}" type="slidenum">
+            <a:fld id="{1F789A7B-7C57-4C8E-B498-1C914316AB19}" type="slidenum">
               <a:rPr lang="zh-CN" altLang="en-US" smtClean="0"/>
               <a:t>‹#›</a:t>
             </a:fld>
@@ -317,7 +317,7 @@
     </p:spTree>
     <p:extLst>
       <p:ext uri="{BB962C8B-B14F-4D97-AF65-F5344CB8AC3E}">
-        <p14:creationId xmlns:p14="http://schemas.microsoft.com/office/powerpoint/2010/main" val="1556788978"/>
+        <p14:creationId xmlns:p14="http://schemas.microsoft.com/office/powerpoint/2010/main" val="3966328184"/>
       </p:ext>
     </p:extLst>
   </p:cSld>
@@ -349,7 +349,7 @@
           <p:cNvPr id="2" name="标题 1">
             <a:extLst>
               <a:ext uri="{FF2B5EF4-FFF2-40B4-BE49-F238E27FC236}">
-                <a16:creationId xmlns:a16="http://schemas.microsoft.com/office/drawing/2014/main" id="{6B3BBF1F-71B7-23CB-6D92-A2C5F3742FA4}"/>
+                <a16:creationId xmlns:a16="http://schemas.microsoft.com/office/drawing/2014/main" id="{19506021-F71D-8C2E-F09F-FAAB8B00DBF8}"/>
               </a:ext>
             </a:extLst>
           </p:cNvPr>
@@ -377,7 +377,7 @@
           <p:cNvPr id="3" name="竖排文字占位符 2">
             <a:extLst>
               <a:ext uri="{FF2B5EF4-FFF2-40B4-BE49-F238E27FC236}">
-                <a16:creationId xmlns:a16="http://schemas.microsoft.com/office/drawing/2014/main" id="{E314A16E-391C-42F9-A41D-F8E8D91EF190}"/>
+                <a16:creationId xmlns:a16="http://schemas.microsoft.com/office/drawing/2014/main" id="{D42F7D2E-9BB5-3C06-68D1-4CDDB37356DC}"/>
               </a:ext>
             </a:extLst>
           </p:cNvPr>
@@ -434,7 +434,7 @@
           <p:cNvPr id="4" name="日期占位符 3">
             <a:extLst>
               <a:ext uri="{FF2B5EF4-FFF2-40B4-BE49-F238E27FC236}">
-                <a16:creationId xmlns:a16="http://schemas.microsoft.com/office/drawing/2014/main" id="{C38A2479-C8E7-4D7E-B749-F7E09C636E95}"/>
+                <a16:creationId xmlns:a16="http://schemas.microsoft.com/office/drawing/2014/main" id="{50E76AA4-D451-43EE-E12E-2F7FF4D80998}"/>
               </a:ext>
             </a:extLst>
           </p:cNvPr>
@@ -450,7 +450,7 @@
           <a:bodyPr/>
           <a:lstStyle/>
           <a:p>
-            <a:fld id="{717CC213-EA89-47D3-9CF2-09B09F73E8D1}" type="datetimeFigureOut">
+            <a:fld id="{7FD5EAF6-E84F-4CE3-A0C0-E5E5938F4B3C}" type="datetimeFigureOut">
               <a:rPr lang="zh-CN" altLang="en-US" smtClean="0"/>
               <a:t>2024/3/10</a:t>
             </a:fld>
@@ -463,7 +463,7 @@
           <p:cNvPr id="5" name="页脚占位符 4">
             <a:extLst>
               <a:ext uri="{FF2B5EF4-FFF2-40B4-BE49-F238E27FC236}">
-                <a16:creationId xmlns:a16="http://schemas.microsoft.com/office/drawing/2014/main" id="{DFBCABD7-93B2-A3EF-260F-90B0AED3A39D}"/>
+                <a16:creationId xmlns:a16="http://schemas.microsoft.com/office/drawing/2014/main" id="{6471FFD4-837E-16B0-67EE-7833CAA835A0}"/>
               </a:ext>
             </a:extLst>
           </p:cNvPr>
@@ -488,7 +488,7 @@
           <p:cNvPr id="6" name="灯片编号占位符 5">
             <a:extLst>
               <a:ext uri="{FF2B5EF4-FFF2-40B4-BE49-F238E27FC236}">
-                <a16:creationId xmlns:a16="http://schemas.microsoft.com/office/drawing/2014/main" id="{4CA7E1C2-A753-DA80-1372-44C9142154D7}"/>
+                <a16:creationId xmlns:a16="http://schemas.microsoft.com/office/drawing/2014/main" id="{8B98684E-02E7-47FC-80A3-5D2C87274F1B}"/>
               </a:ext>
             </a:extLst>
           </p:cNvPr>
@@ -504,7 +504,7 @@
           <a:bodyPr/>
           <a:lstStyle/>
           <a:p>
-            <a:fld id="{DD314FD8-41B2-47FA-BD73-4B682B0B5187}" type="slidenum">
+            <a:fld id="{1F789A7B-7C57-4C8E-B498-1C914316AB19}" type="slidenum">
               <a:rPr lang="zh-CN" altLang="en-US" smtClean="0"/>
               <a:t>‹#›</a:t>
             </a:fld>
@@ -515,7 +515,7 @@
     </p:spTree>
     <p:extLst>
       <p:ext uri="{BB962C8B-B14F-4D97-AF65-F5344CB8AC3E}">
-        <p14:creationId xmlns:p14="http://schemas.microsoft.com/office/powerpoint/2010/main" val="1392737652"/>
+        <p14:creationId xmlns:p14="http://schemas.microsoft.com/office/powerpoint/2010/main" val="1886525873"/>
       </p:ext>
     </p:extLst>
   </p:cSld>
@@ -547,7 +547,7 @@
           <p:cNvPr id="2" name="竖排标题 1">
             <a:extLst>
               <a:ext uri="{FF2B5EF4-FFF2-40B4-BE49-F238E27FC236}">
-                <a16:creationId xmlns:a16="http://schemas.microsoft.com/office/drawing/2014/main" id="{6EAE7175-AF87-63B4-B454-1BE0AF6D5394}"/>
+                <a16:creationId xmlns:a16="http://schemas.microsoft.com/office/drawing/2014/main" id="{C917B6A8-568B-61EE-094A-00EF6FDBCB5A}"/>
               </a:ext>
             </a:extLst>
           </p:cNvPr>
@@ -580,7 +580,7 @@
           <p:cNvPr id="3" name="竖排文字占位符 2">
             <a:extLst>
               <a:ext uri="{FF2B5EF4-FFF2-40B4-BE49-F238E27FC236}">
-                <a16:creationId xmlns:a16="http://schemas.microsoft.com/office/drawing/2014/main" id="{002FA08F-361C-6B5A-2262-2052BD7CC11B}"/>
+                <a16:creationId xmlns:a16="http://schemas.microsoft.com/office/drawing/2014/main" id="{0443B56B-801E-C2F4-BB69-615F6E995BDE}"/>
               </a:ext>
             </a:extLst>
           </p:cNvPr>
@@ -642,7 +642,7 @@
           <p:cNvPr id="4" name="日期占位符 3">
             <a:extLst>
               <a:ext uri="{FF2B5EF4-FFF2-40B4-BE49-F238E27FC236}">
-                <a16:creationId xmlns:a16="http://schemas.microsoft.com/office/drawing/2014/main" id="{24EB8B6F-4B43-C1F9-B541-E4689FF7EE83}"/>
+                <a16:creationId xmlns:a16="http://schemas.microsoft.com/office/drawing/2014/main" id="{5EFA8955-8941-6DD5-1B0D-653F367CF2C6}"/>
               </a:ext>
             </a:extLst>
           </p:cNvPr>
@@ -658,7 +658,7 @@
           <a:bodyPr/>
           <a:lstStyle/>
           <a:p>
-            <a:fld id="{717CC213-EA89-47D3-9CF2-09B09F73E8D1}" type="datetimeFigureOut">
+            <a:fld id="{7FD5EAF6-E84F-4CE3-A0C0-E5E5938F4B3C}" type="datetimeFigureOut">
               <a:rPr lang="zh-CN" altLang="en-US" smtClean="0"/>
               <a:t>2024/3/10</a:t>
             </a:fld>
@@ -671,7 +671,7 @@
           <p:cNvPr id="5" name="页脚占位符 4">
             <a:extLst>
               <a:ext uri="{FF2B5EF4-FFF2-40B4-BE49-F238E27FC236}">
-                <a16:creationId xmlns:a16="http://schemas.microsoft.com/office/drawing/2014/main" id="{5036E7D6-808A-4E01-9E3D-7AEED85DC966}"/>
+                <a16:creationId xmlns:a16="http://schemas.microsoft.com/office/drawing/2014/main" id="{2F42FFF0-0880-94AD-3996-C1564294E69E}"/>
               </a:ext>
             </a:extLst>
           </p:cNvPr>
@@ -696,7 +696,7 @@
           <p:cNvPr id="6" name="灯片编号占位符 5">
             <a:extLst>
               <a:ext uri="{FF2B5EF4-FFF2-40B4-BE49-F238E27FC236}">
-                <a16:creationId xmlns:a16="http://schemas.microsoft.com/office/drawing/2014/main" id="{65EBF809-96EA-1138-B846-071F67F12176}"/>
+                <a16:creationId xmlns:a16="http://schemas.microsoft.com/office/drawing/2014/main" id="{4B65C6CE-A6A9-CC2E-5CAF-470FC486E52E}"/>
               </a:ext>
             </a:extLst>
           </p:cNvPr>
@@ -712,7 +712,7 @@
           <a:bodyPr/>
           <a:lstStyle/>
           <a:p>
-            <a:fld id="{DD314FD8-41B2-47FA-BD73-4B682B0B5187}" type="slidenum">
+            <a:fld id="{1F789A7B-7C57-4C8E-B498-1C914316AB19}" type="slidenum">
               <a:rPr lang="zh-CN" altLang="en-US" smtClean="0"/>
               <a:t>‹#›</a:t>
             </a:fld>
@@ -723,7 +723,7 @@
     </p:spTree>
     <p:extLst>
       <p:ext uri="{BB962C8B-B14F-4D97-AF65-F5344CB8AC3E}">
-        <p14:creationId xmlns:p14="http://schemas.microsoft.com/office/powerpoint/2010/main" val="2350134648"/>
+        <p14:creationId xmlns:p14="http://schemas.microsoft.com/office/powerpoint/2010/main" val="583151252"/>
       </p:ext>
     </p:extLst>
   </p:cSld>
@@ -755,7 +755,7 @@
           <p:cNvPr id="2" name="标题 1">
             <a:extLst>
               <a:ext uri="{FF2B5EF4-FFF2-40B4-BE49-F238E27FC236}">
-                <a16:creationId xmlns:a16="http://schemas.microsoft.com/office/drawing/2014/main" id="{0CCF057E-FEAC-D874-8D69-395B2849BFAE}"/>
+                <a16:creationId xmlns:a16="http://schemas.microsoft.com/office/drawing/2014/main" id="{F8598A77-84FB-0116-8C38-3E7C89CE6F47}"/>
               </a:ext>
             </a:extLst>
           </p:cNvPr>
@@ -783,7 +783,7 @@
           <p:cNvPr id="3" name="内容占位符 2">
             <a:extLst>
               <a:ext uri="{FF2B5EF4-FFF2-40B4-BE49-F238E27FC236}">
-                <a16:creationId xmlns:a16="http://schemas.microsoft.com/office/drawing/2014/main" id="{95C36559-0814-272C-A46F-D4DEB828C8CF}"/>
+                <a16:creationId xmlns:a16="http://schemas.microsoft.com/office/drawing/2014/main" id="{349A09FB-0C0A-B878-2D3B-445F5466F121}"/>
               </a:ext>
             </a:extLst>
           </p:cNvPr>
@@ -840,7 +840,7 @@
           <p:cNvPr id="4" name="日期占位符 3">
             <a:extLst>
               <a:ext uri="{FF2B5EF4-FFF2-40B4-BE49-F238E27FC236}">
-                <a16:creationId xmlns:a16="http://schemas.microsoft.com/office/drawing/2014/main" id="{A97E60A7-DF14-E482-A104-ED1CD7095989}"/>
+                <a16:creationId xmlns:a16="http://schemas.microsoft.com/office/drawing/2014/main" id="{AEB9DE38-B0A6-54E9-4A4D-CE1A40DAF304}"/>
               </a:ext>
             </a:extLst>
           </p:cNvPr>
@@ -856,7 +856,7 @@
           <a:bodyPr/>
           <a:lstStyle/>
           <a:p>
-            <a:fld id="{717CC213-EA89-47D3-9CF2-09B09F73E8D1}" type="datetimeFigureOut">
+            <a:fld id="{7FD5EAF6-E84F-4CE3-A0C0-E5E5938F4B3C}" type="datetimeFigureOut">
               <a:rPr lang="zh-CN" altLang="en-US" smtClean="0"/>
               <a:t>2024/3/10</a:t>
             </a:fld>
@@ -869,7 +869,7 @@
           <p:cNvPr id="5" name="页脚占位符 4">
             <a:extLst>
               <a:ext uri="{FF2B5EF4-FFF2-40B4-BE49-F238E27FC236}">
-                <a16:creationId xmlns:a16="http://schemas.microsoft.com/office/drawing/2014/main" id="{0A8DBE02-A9D3-B4E0-4D00-21935A0DE12E}"/>
+                <a16:creationId xmlns:a16="http://schemas.microsoft.com/office/drawing/2014/main" id="{C87CF9CA-7F66-CEDA-4C40-01C4F94F104A}"/>
               </a:ext>
             </a:extLst>
           </p:cNvPr>
@@ -894,7 +894,7 @@
           <p:cNvPr id="6" name="灯片编号占位符 5">
             <a:extLst>
               <a:ext uri="{FF2B5EF4-FFF2-40B4-BE49-F238E27FC236}">
-                <a16:creationId xmlns:a16="http://schemas.microsoft.com/office/drawing/2014/main" id="{0EE38630-83D1-F4CB-DEE2-5107C420E1B8}"/>
+                <a16:creationId xmlns:a16="http://schemas.microsoft.com/office/drawing/2014/main" id="{DC09183A-CB87-2637-CB87-E0E29A289511}"/>
               </a:ext>
             </a:extLst>
           </p:cNvPr>
@@ -910,7 +910,7 @@
           <a:bodyPr/>
           <a:lstStyle/>
           <a:p>
-            <a:fld id="{DD314FD8-41B2-47FA-BD73-4B682B0B5187}" type="slidenum">
+            <a:fld id="{1F789A7B-7C57-4C8E-B498-1C914316AB19}" type="slidenum">
               <a:rPr lang="zh-CN" altLang="en-US" smtClean="0"/>
               <a:t>‹#›</a:t>
             </a:fld>
@@ -921,7 +921,7 @@
     </p:spTree>
     <p:extLst>
       <p:ext uri="{BB962C8B-B14F-4D97-AF65-F5344CB8AC3E}">
-        <p14:creationId xmlns:p14="http://schemas.microsoft.com/office/powerpoint/2010/main" val="3274421743"/>
+        <p14:creationId xmlns:p14="http://schemas.microsoft.com/office/powerpoint/2010/main" val="3896087556"/>
       </p:ext>
     </p:extLst>
   </p:cSld>
@@ -953,7 +953,7 @@
           <p:cNvPr id="2" name="标题 1">
             <a:extLst>
               <a:ext uri="{FF2B5EF4-FFF2-40B4-BE49-F238E27FC236}">
-                <a16:creationId xmlns:a16="http://schemas.microsoft.com/office/drawing/2014/main" id="{43EFC926-6912-3813-496D-DE6F55329A54}"/>
+                <a16:creationId xmlns:a16="http://schemas.microsoft.com/office/drawing/2014/main" id="{AC15C9D9-364C-297D-AA1C-814F98AC1E55}"/>
               </a:ext>
             </a:extLst>
           </p:cNvPr>
@@ -990,7 +990,7 @@
           <p:cNvPr id="3" name="文本占位符 2">
             <a:extLst>
               <a:ext uri="{FF2B5EF4-FFF2-40B4-BE49-F238E27FC236}">
-                <a16:creationId xmlns:a16="http://schemas.microsoft.com/office/drawing/2014/main" id="{D150B64E-08CD-C57E-E2C5-3DE2DBDC538B}"/>
+                <a16:creationId xmlns:a16="http://schemas.microsoft.com/office/drawing/2014/main" id="{EC66DD84-10BA-60EA-E60B-8D46491B42B4}"/>
               </a:ext>
             </a:extLst>
           </p:cNvPr>
@@ -1115,7 +1115,7 @@
           <p:cNvPr id="4" name="日期占位符 3">
             <a:extLst>
               <a:ext uri="{FF2B5EF4-FFF2-40B4-BE49-F238E27FC236}">
-                <a16:creationId xmlns:a16="http://schemas.microsoft.com/office/drawing/2014/main" id="{049274C7-3DD2-1715-0294-A6BB75B41ACC}"/>
+                <a16:creationId xmlns:a16="http://schemas.microsoft.com/office/drawing/2014/main" id="{21BD7285-43EC-42EE-03D8-12AC85BDEA20}"/>
               </a:ext>
             </a:extLst>
           </p:cNvPr>
@@ -1131,7 +1131,7 @@
           <a:bodyPr/>
           <a:lstStyle/>
           <a:p>
-            <a:fld id="{717CC213-EA89-47D3-9CF2-09B09F73E8D1}" type="datetimeFigureOut">
+            <a:fld id="{7FD5EAF6-E84F-4CE3-A0C0-E5E5938F4B3C}" type="datetimeFigureOut">
               <a:rPr lang="zh-CN" altLang="en-US" smtClean="0"/>
               <a:t>2024/3/10</a:t>
             </a:fld>
@@ -1144,7 +1144,7 @@
           <p:cNvPr id="5" name="页脚占位符 4">
             <a:extLst>
               <a:ext uri="{FF2B5EF4-FFF2-40B4-BE49-F238E27FC236}">
-                <a16:creationId xmlns:a16="http://schemas.microsoft.com/office/drawing/2014/main" id="{FD235B86-5A65-391A-07E0-6124CF0AD911}"/>
+                <a16:creationId xmlns:a16="http://schemas.microsoft.com/office/drawing/2014/main" id="{70B4F2E5-0EAD-4DC8-94AC-FF792ECC2B16}"/>
               </a:ext>
             </a:extLst>
           </p:cNvPr>
@@ -1169,7 +1169,7 @@
           <p:cNvPr id="6" name="灯片编号占位符 5">
             <a:extLst>
               <a:ext uri="{FF2B5EF4-FFF2-40B4-BE49-F238E27FC236}">
-                <a16:creationId xmlns:a16="http://schemas.microsoft.com/office/drawing/2014/main" id="{D574B0AB-3666-A237-8E97-D2607EB7DD08}"/>
+                <a16:creationId xmlns:a16="http://schemas.microsoft.com/office/drawing/2014/main" id="{910BFAA2-0693-5A83-AED1-B386030D8745}"/>
               </a:ext>
             </a:extLst>
           </p:cNvPr>
@@ -1185,7 +1185,7 @@
           <a:bodyPr/>
           <a:lstStyle/>
           <a:p>
-            <a:fld id="{DD314FD8-41B2-47FA-BD73-4B682B0B5187}" type="slidenum">
+            <a:fld id="{1F789A7B-7C57-4C8E-B498-1C914316AB19}" type="slidenum">
               <a:rPr lang="zh-CN" altLang="en-US" smtClean="0"/>
               <a:t>‹#›</a:t>
             </a:fld>
@@ -1196,7 +1196,7 @@
     </p:spTree>
     <p:extLst>
       <p:ext uri="{BB962C8B-B14F-4D97-AF65-F5344CB8AC3E}">
-        <p14:creationId xmlns:p14="http://schemas.microsoft.com/office/powerpoint/2010/main" val="1940405456"/>
+        <p14:creationId xmlns:p14="http://schemas.microsoft.com/office/powerpoint/2010/main" val="3107837383"/>
       </p:ext>
     </p:extLst>
   </p:cSld>
@@ -1228,7 +1228,7 @@
           <p:cNvPr id="2" name="标题 1">
             <a:extLst>
               <a:ext uri="{FF2B5EF4-FFF2-40B4-BE49-F238E27FC236}">
-                <a16:creationId xmlns:a16="http://schemas.microsoft.com/office/drawing/2014/main" id="{AAC36C85-FA0B-9374-8871-6C7B2634840D}"/>
+                <a16:creationId xmlns:a16="http://schemas.microsoft.com/office/drawing/2014/main" id="{BCC90E21-973F-5065-F1A5-920D48AE6C76}"/>
               </a:ext>
             </a:extLst>
           </p:cNvPr>
@@ -1256,7 +1256,7 @@
           <p:cNvPr id="3" name="内容占位符 2">
             <a:extLst>
               <a:ext uri="{FF2B5EF4-FFF2-40B4-BE49-F238E27FC236}">
-                <a16:creationId xmlns:a16="http://schemas.microsoft.com/office/drawing/2014/main" id="{D7ABE71B-74CE-1F6A-30A6-F7D510DCD63A}"/>
+                <a16:creationId xmlns:a16="http://schemas.microsoft.com/office/drawing/2014/main" id="{0814B32A-143F-539C-2935-7EEE3F0B5408}"/>
               </a:ext>
             </a:extLst>
           </p:cNvPr>
@@ -1318,7 +1318,7 @@
           <p:cNvPr id="4" name="内容占位符 3">
             <a:extLst>
               <a:ext uri="{FF2B5EF4-FFF2-40B4-BE49-F238E27FC236}">
-                <a16:creationId xmlns:a16="http://schemas.microsoft.com/office/drawing/2014/main" id="{DB3B0F80-D188-C45F-80D5-E0ADFE40BDCB}"/>
+                <a16:creationId xmlns:a16="http://schemas.microsoft.com/office/drawing/2014/main" id="{A17B6C60-5CC8-8509-B1FB-D7C0A5054CAF}"/>
               </a:ext>
             </a:extLst>
           </p:cNvPr>
@@ -1380,7 +1380,7 @@
           <p:cNvPr id="5" name="日期占位符 4">
             <a:extLst>
               <a:ext uri="{FF2B5EF4-FFF2-40B4-BE49-F238E27FC236}">
-                <a16:creationId xmlns:a16="http://schemas.microsoft.com/office/drawing/2014/main" id="{2539E610-EB40-E685-B9C3-2087574B6375}"/>
+                <a16:creationId xmlns:a16="http://schemas.microsoft.com/office/drawing/2014/main" id="{CD3E3BB5-AAE9-85CB-DB69-7E1B8BE70FA4}"/>
               </a:ext>
             </a:extLst>
           </p:cNvPr>
@@ -1396,7 +1396,7 @@
           <a:bodyPr/>
           <a:lstStyle/>
           <a:p>
-            <a:fld id="{717CC213-EA89-47D3-9CF2-09B09F73E8D1}" type="datetimeFigureOut">
+            <a:fld id="{7FD5EAF6-E84F-4CE3-A0C0-E5E5938F4B3C}" type="datetimeFigureOut">
               <a:rPr lang="zh-CN" altLang="en-US" smtClean="0"/>
               <a:t>2024/3/10</a:t>
             </a:fld>
@@ -1409,7 +1409,7 @@
           <p:cNvPr id="6" name="页脚占位符 5">
             <a:extLst>
               <a:ext uri="{FF2B5EF4-FFF2-40B4-BE49-F238E27FC236}">
-                <a16:creationId xmlns:a16="http://schemas.microsoft.com/office/drawing/2014/main" id="{45D5E45D-32E0-BAD2-7345-87536852016F}"/>
+                <a16:creationId xmlns:a16="http://schemas.microsoft.com/office/drawing/2014/main" id="{58FDB873-E679-32BE-CA34-A321BCE325DB}"/>
               </a:ext>
             </a:extLst>
           </p:cNvPr>
@@ -1434,7 +1434,7 @@
           <p:cNvPr id="7" name="灯片编号占位符 6">
             <a:extLst>
               <a:ext uri="{FF2B5EF4-FFF2-40B4-BE49-F238E27FC236}">
-                <a16:creationId xmlns:a16="http://schemas.microsoft.com/office/drawing/2014/main" id="{0B66AA56-34D9-68A6-BD0B-368BF5B3515E}"/>
+                <a16:creationId xmlns:a16="http://schemas.microsoft.com/office/drawing/2014/main" id="{16EC06FB-0DB8-1F65-81F3-0BB75F1174D4}"/>
               </a:ext>
             </a:extLst>
           </p:cNvPr>
@@ -1450,7 +1450,7 @@
           <a:bodyPr/>
           <a:lstStyle/>
           <a:p>
-            <a:fld id="{DD314FD8-41B2-47FA-BD73-4B682B0B5187}" type="slidenum">
+            <a:fld id="{1F789A7B-7C57-4C8E-B498-1C914316AB19}" type="slidenum">
               <a:rPr lang="zh-CN" altLang="en-US" smtClean="0"/>
               <a:t>‹#›</a:t>
             </a:fld>
@@ -1461,7 +1461,7 @@
     </p:spTree>
     <p:extLst>
       <p:ext uri="{BB962C8B-B14F-4D97-AF65-F5344CB8AC3E}">
-        <p14:creationId xmlns:p14="http://schemas.microsoft.com/office/powerpoint/2010/main" val="577553941"/>
+        <p14:creationId xmlns:p14="http://schemas.microsoft.com/office/powerpoint/2010/main" val="2865035129"/>
       </p:ext>
     </p:extLst>
   </p:cSld>
@@ -1493,7 +1493,7 @@
           <p:cNvPr id="2" name="标题 1">
             <a:extLst>
               <a:ext uri="{FF2B5EF4-FFF2-40B4-BE49-F238E27FC236}">
-                <a16:creationId xmlns:a16="http://schemas.microsoft.com/office/drawing/2014/main" id="{23737D42-644F-2518-3F96-D6DD8C68E29E}"/>
+                <a16:creationId xmlns:a16="http://schemas.microsoft.com/office/drawing/2014/main" id="{5D302790-011D-F1C1-7884-512226A64E61}"/>
               </a:ext>
             </a:extLst>
           </p:cNvPr>
@@ -1526,7 +1526,7 @@
           <p:cNvPr id="3" name="文本占位符 2">
             <a:extLst>
               <a:ext uri="{FF2B5EF4-FFF2-40B4-BE49-F238E27FC236}">
-                <a16:creationId xmlns:a16="http://schemas.microsoft.com/office/drawing/2014/main" id="{5584B956-F656-C511-45B2-0CB30C7C3D2A}"/>
+                <a16:creationId xmlns:a16="http://schemas.microsoft.com/office/drawing/2014/main" id="{6A27DE04-515E-2ED6-0CDD-387E008181B7}"/>
               </a:ext>
             </a:extLst>
           </p:cNvPr>
@@ -1597,7 +1597,7 @@
           <p:cNvPr id="4" name="内容占位符 3">
             <a:extLst>
               <a:ext uri="{FF2B5EF4-FFF2-40B4-BE49-F238E27FC236}">
-                <a16:creationId xmlns:a16="http://schemas.microsoft.com/office/drawing/2014/main" id="{DA69ACF8-76AD-3950-27C1-17C21D07D924}"/>
+                <a16:creationId xmlns:a16="http://schemas.microsoft.com/office/drawing/2014/main" id="{9D4C48EA-2154-6720-248B-279F6C3620BD}"/>
               </a:ext>
             </a:extLst>
           </p:cNvPr>
@@ -1659,7 +1659,7 @@
           <p:cNvPr id="5" name="文本占位符 4">
             <a:extLst>
               <a:ext uri="{FF2B5EF4-FFF2-40B4-BE49-F238E27FC236}">
-                <a16:creationId xmlns:a16="http://schemas.microsoft.com/office/drawing/2014/main" id="{B8B80154-B677-5992-8518-152C67E2D367}"/>
+                <a16:creationId xmlns:a16="http://schemas.microsoft.com/office/drawing/2014/main" id="{5BF2FF7C-E606-4513-4F3F-8E2960EF7599}"/>
               </a:ext>
             </a:extLst>
           </p:cNvPr>
@@ -1730,7 +1730,7 @@
           <p:cNvPr id="6" name="内容占位符 5">
             <a:extLst>
               <a:ext uri="{FF2B5EF4-FFF2-40B4-BE49-F238E27FC236}">
-                <a16:creationId xmlns:a16="http://schemas.microsoft.com/office/drawing/2014/main" id="{DC6717F9-7686-90DD-D9F4-94DDB287DED5}"/>
+                <a16:creationId xmlns:a16="http://schemas.microsoft.com/office/drawing/2014/main" id="{58C9075D-8FE6-2D66-A513-75B44A6F42BC}"/>
               </a:ext>
             </a:extLst>
           </p:cNvPr>
@@ -1792,7 +1792,7 @@
           <p:cNvPr id="7" name="日期占位符 6">
             <a:extLst>
               <a:ext uri="{FF2B5EF4-FFF2-40B4-BE49-F238E27FC236}">
-                <a16:creationId xmlns:a16="http://schemas.microsoft.com/office/drawing/2014/main" id="{D39D15B2-4C5E-4248-AAC6-7D36AB8F23FE}"/>
+                <a16:creationId xmlns:a16="http://schemas.microsoft.com/office/drawing/2014/main" id="{9C35246A-A565-D681-3979-1786F23F1F63}"/>
               </a:ext>
             </a:extLst>
           </p:cNvPr>
@@ -1808,7 +1808,7 @@
           <a:bodyPr/>
           <a:lstStyle/>
           <a:p>
-            <a:fld id="{717CC213-EA89-47D3-9CF2-09B09F73E8D1}" type="datetimeFigureOut">
+            <a:fld id="{7FD5EAF6-E84F-4CE3-A0C0-E5E5938F4B3C}" type="datetimeFigureOut">
               <a:rPr lang="zh-CN" altLang="en-US" smtClean="0"/>
               <a:t>2024/3/10</a:t>
             </a:fld>
@@ -1821,7 +1821,7 @@
           <p:cNvPr id="8" name="页脚占位符 7">
             <a:extLst>
               <a:ext uri="{FF2B5EF4-FFF2-40B4-BE49-F238E27FC236}">
-                <a16:creationId xmlns:a16="http://schemas.microsoft.com/office/drawing/2014/main" id="{35AEE16E-57C8-00A6-2B81-8DF04C8107B3}"/>
+                <a16:creationId xmlns:a16="http://schemas.microsoft.com/office/drawing/2014/main" id="{37C68842-2F59-A8BB-7C17-2A5E55685E57}"/>
               </a:ext>
             </a:extLst>
           </p:cNvPr>
@@ -1846,7 +1846,7 @@
           <p:cNvPr id="9" name="灯片编号占位符 8">
             <a:extLst>
               <a:ext uri="{FF2B5EF4-FFF2-40B4-BE49-F238E27FC236}">
-                <a16:creationId xmlns:a16="http://schemas.microsoft.com/office/drawing/2014/main" id="{5934C68E-2721-F0D8-D63E-3DB49DA0E3FF}"/>
+                <a16:creationId xmlns:a16="http://schemas.microsoft.com/office/drawing/2014/main" id="{C2DF02D4-40A4-4B67-65CA-AE27A82A9C6C}"/>
               </a:ext>
             </a:extLst>
           </p:cNvPr>
@@ -1862,7 +1862,7 @@
           <a:bodyPr/>
           <a:lstStyle/>
           <a:p>
-            <a:fld id="{DD314FD8-41B2-47FA-BD73-4B682B0B5187}" type="slidenum">
+            <a:fld id="{1F789A7B-7C57-4C8E-B498-1C914316AB19}" type="slidenum">
               <a:rPr lang="zh-CN" altLang="en-US" smtClean="0"/>
               <a:t>‹#›</a:t>
             </a:fld>
@@ -1873,7 +1873,7 @@
     </p:spTree>
     <p:extLst>
       <p:ext uri="{BB962C8B-B14F-4D97-AF65-F5344CB8AC3E}">
-        <p14:creationId xmlns:p14="http://schemas.microsoft.com/office/powerpoint/2010/main" val="3683755794"/>
+        <p14:creationId xmlns:p14="http://schemas.microsoft.com/office/powerpoint/2010/main" val="1960812419"/>
       </p:ext>
     </p:extLst>
   </p:cSld>
@@ -1905,7 +1905,7 @@
           <p:cNvPr id="2" name="标题 1">
             <a:extLst>
               <a:ext uri="{FF2B5EF4-FFF2-40B4-BE49-F238E27FC236}">
-                <a16:creationId xmlns:a16="http://schemas.microsoft.com/office/drawing/2014/main" id="{266613EF-37FC-15E8-6CA6-4B50EC6D140C}"/>
+                <a16:creationId xmlns:a16="http://schemas.microsoft.com/office/drawing/2014/main" id="{71ACCB2B-A898-C196-FDCE-65C622ABC632}"/>
               </a:ext>
             </a:extLst>
           </p:cNvPr>
@@ -1933,7 +1933,7 @@
           <p:cNvPr id="3" name="日期占位符 2">
             <a:extLst>
               <a:ext uri="{FF2B5EF4-FFF2-40B4-BE49-F238E27FC236}">
-                <a16:creationId xmlns:a16="http://schemas.microsoft.com/office/drawing/2014/main" id="{D42945DF-D110-181E-87F6-BB2DF5A2605C}"/>
+                <a16:creationId xmlns:a16="http://schemas.microsoft.com/office/drawing/2014/main" id="{BBCB9F3C-5CA2-B2F8-80BA-678F6B019578}"/>
               </a:ext>
             </a:extLst>
           </p:cNvPr>
@@ -1949,7 +1949,7 @@
           <a:bodyPr/>
           <a:lstStyle/>
           <a:p>
-            <a:fld id="{717CC213-EA89-47D3-9CF2-09B09F73E8D1}" type="datetimeFigureOut">
+            <a:fld id="{7FD5EAF6-E84F-4CE3-A0C0-E5E5938F4B3C}" type="datetimeFigureOut">
               <a:rPr lang="zh-CN" altLang="en-US" smtClean="0"/>
               <a:t>2024/3/10</a:t>
             </a:fld>
@@ -1962,7 +1962,7 @@
           <p:cNvPr id="4" name="页脚占位符 3">
             <a:extLst>
               <a:ext uri="{FF2B5EF4-FFF2-40B4-BE49-F238E27FC236}">
-                <a16:creationId xmlns:a16="http://schemas.microsoft.com/office/drawing/2014/main" id="{52200A8A-497B-CC47-E8E2-541F0FA2BEDD}"/>
+                <a16:creationId xmlns:a16="http://schemas.microsoft.com/office/drawing/2014/main" id="{92867AB9-9739-FFB7-C405-2760596E2002}"/>
               </a:ext>
             </a:extLst>
           </p:cNvPr>
@@ -1987,7 +1987,7 @@
           <p:cNvPr id="5" name="灯片编号占位符 4">
             <a:extLst>
               <a:ext uri="{FF2B5EF4-FFF2-40B4-BE49-F238E27FC236}">
-                <a16:creationId xmlns:a16="http://schemas.microsoft.com/office/drawing/2014/main" id="{D27A61CD-999A-C9A0-F4A7-4E95FF1F5A23}"/>
+                <a16:creationId xmlns:a16="http://schemas.microsoft.com/office/drawing/2014/main" id="{A3C7F662-E535-F384-4ABB-486FA37CA049}"/>
               </a:ext>
             </a:extLst>
           </p:cNvPr>
@@ -2003,7 +2003,7 @@
           <a:bodyPr/>
           <a:lstStyle/>
           <a:p>
-            <a:fld id="{DD314FD8-41B2-47FA-BD73-4B682B0B5187}" type="slidenum">
+            <a:fld id="{1F789A7B-7C57-4C8E-B498-1C914316AB19}" type="slidenum">
               <a:rPr lang="zh-CN" altLang="en-US" smtClean="0"/>
               <a:t>‹#›</a:t>
             </a:fld>
@@ -2014,7 +2014,7 @@
     </p:spTree>
     <p:extLst>
       <p:ext uri="{BB962C8B-B14F-4D97-AF65-F5344CB8AC3E}">
-        <p14:creationId xmlns:p14="http://schemas.microsoft.com/office/powerpoint/2010/main" val="4030139595"/>
+        <p14:creationId xmlns:p14="http://schemas.microsoft.com/office/powerpoint/2010/main" val="2832245300"/>
       </p:ext>
     </p:extLst>
   </p:cSld>
@@ -2046,7 +2046,7 @@
           <p:cNvPr id="2" name="日期占位符 1">
             <a:extLst>
               <a:ext uri="{FF2B5EF4-FFF2-40B4-BE49-F238E27FC236}">
-                <a16:creationId xmlns:a16="http://schemas.microsoft.com/office/drawing/2014/main" id="{2FD149AC-85B5-6E1B-74E2-5FF9E6EF183F}"/>
+                <a16:creationId xmlns:a16="http://schemas.microsoft.com/office/drawing/2014/main" id="{ACDD7283-10E8-6597-C0BD-AEFF89B8B76A}"/>
               </a:ext>
             </a:extLst>
           </p:cNvPr>
@@ -2062,7 +2062,7 @@
           <a:bodyPr/>
           <a:lstStyle/>
           <a:p>
-            <a:fld id="{717CC213-EA89-47D3-9CF2-09B09F73E8D1}" type="datetimeFigureOut">
+            <a:fld id="{7FD5EAF6-E84F-4CE3-A0C0-E5E5938F4B3C}" type="datetimeFigureOut">
               <a:rPr lang="zh-CN" altLang="en-US" smtClean="0"/>
               <a:t>2024/3/10</a:t>
             </a:fld>
@@ -2075,7 +2075,7 @@
           <p:cNvPr id="3" name="页脚占位符 2">
             <a:extLst>
               <a:ext uri="{FF2B5EF4-FFF2-40B4-BE49-F238E27FC236}">
-                <a16:creationId xmlns:a16="http://schemas.microsoft.com/office/drawing/2014/main" id="{789668F6-8BB7-3EFE-D105-D8559082C56A}"/>
+                <a16:creationId xmlns:a16="http://schemas.microsoft.com/office/drawing/2014/main" id="{5E3C5B2B-E998-6834-A3C7-44CE00BDBEB8}"/>
               </a:ext>
             </a:extLst>
           </p:cNvPr>
@@ -2100,7 +2100,7 @@
           <p:cNvPr id="4" name="灯片编号占位符 3">
             <a:extLst>
               <a:ext uri="{FF2B5EF4-FFF2-40B4-BE49-F238E27FC236}">
-                <a16:creationId xmlns:a16="http://schemas.microsoft.com/office/drawing/2014/main" id="{A025BD5D-37F3-BF8C-BEBD-EDDB633AC974}"/>
+                <a16:creationId xmlns:a16="http://schemas.microsoft.com/office/drawing/2014/main" id="{A4FAB9CB-6B9A-3617-914B-8A0DE22A4FF7}"/>
               </a:ext>
             </a:extLst>
           </p:cNvPr>
@@ -2116,7 +2116,7 @@
           <a:bodyPr/>
           <a:lstStyle/>
           <a:p>
-            <a:fld id="{DD314FD8-41B2-47FA-BD73-4B682B0B5187}" type="slidenum">
+            <a:fld id="{1F789A7B-7C57-4C8E-B498-1C914316AB19}" type="slidenum">
               <a:rPr lang="zh-CN" altLang="en-US" smtClean="0"/>
               <a:t>‹#›</a:t>
             </a:fld>
@@ -2127,7 +2127,7 @@
     </p:spTree>
     <p:extLst>
       <p:ext uri="{BB962C8B-B14F-4D97-AF65-F5344CB8AC3E}">
-        <p14:creationId xmlns:p14="http://schemas.microsoft.com/office/powerpoint/2010/main" val="168303974"/>
+        <p14:creationId xmlns:p14="http://schemas.microsoft.com/office/powerpoint/2010/main" val="4248160883"/>
       </p:ext>
     </p:extLst>
   </p:cSld>
@@ -2159,7 +2159,7 @@
           <p:cNvPr id="2" name="标题 1">
             <a:extLst>
               <a:ext uri="{FF2B5EF4-FFF2-40B4-BE49-F238E27FC236}">
-                <a16:creationId xmlns:a16="http://schemas.microsoft.com/office/drawing/2014/main" id="{898AE9A7-66F6-47CE-86CB-6530A216BD75}"/>
+                <a16:creationId xmlns:a16="http://schemas.microsoft.com/office/drawing/2014/main" id="{917623C3-D9DC-EED4-4A78-BBF5CF700FD0}"/>
               </a:ext>
             </a:extLst>
           </p:cNvPr>
@@ -2196,7 +2196,7 @@
           <p:cNvPr id="3" name="内容占位符 2">
             <a:extLst>
               <a:ext uri="{FF2B5EF4-FFF2-40B4-BE49-F238E27FC236}">
-                <a16:creationId xmlns:a16="http://schemas.microsoft.com/office/drawing/2014/main" id="{EB910E34-213B-9913-5D3E-1879491A8383}"/>
+                <a16:creationId xmlns:a16="http://schemas.microsoft.com/office/drawing/2014/main" id="{80EE7898-39B2-F95A-50A5-49707BD7BD53}"/>
               </a:ext>
             </a:extLst>
           </p:cNvPr>
@@ -2286,7 +2286,7 @@
           <p:cNvPr id="4" name="文本占位符 3">
             <a:extLst>
               <a:ext uri="{FF2B5EF4-FFF2-40B4-BE49-F238E27FC236}">
-                <a16:creationId xmlns:a16="http://schemas.microsoft.com/office/drawing/2014/main" id="{B80725CB-B2FE-ED19-3D74-A9E8AAEAD647}"/>
+                <a16:creationId xmlns:a16="http://schemas.microsoft.com/office/drawing/2014/main" id="{00CB417B-711D-EEA4-8709-359397E39659}"/>
               </a:ext>
             </a:extLst>
           </p:cNvPr>
@@ -2357,7 +2357,7 @@
           <p:cNvPr id="5" name="日期占位符 4">
             <a:extLst>
               <a:ext uri="{FF2B5EF4-FFF2-40B4-BE49-F238E27FC236}">
-                <a16:creationId xmlns:a16="http://schemas.microsoft.com/office/drawing/2014/main" id="{80D18502-CE5E-D725-55F1-19EE350CED64}"/>
+                <a16:creationId xmlns:a16="http://schemas.microsoft.com/office/drawing/2014/main" id="{54B4B661-1E68-C075-CA78-3455898DD181}"/>
               </a:ext>
             </a:extLst>
           </p:cNvPr>
@@ -2373,7 +2373,7 @@
           <a:bodyPr/>
           <a:lstStyle/>
           <a:p>
-            <a:fld id="{717CC213-EA89-47D3-9CF2-09B09F73E8D1}" type="datetimeFigureOut">
+            <a:fld id="{7FD5EAF6-E84F-4CE3-A0C0-E5E5938F4B3C}" type="datetimeFigureOut">
               <a:rPr lang="zh-CN" altLang="en-US" smtClean="0"/>
               <a:t>2024/3/10</a:t>
             </a:fld>
@@ -2386,7 +2386,7 @@
           <p:cNvPr id="6" name="页脚占位符 5">
             <a:extLst>
               <a:ext uri="{FF2B5EF4-FFF2-40B4-BE49-F238E27FC236}">
-                <a16:creationId xmlns:a16="http://schemas.microsoft.com/office/drawing/2014/main" id="{38D1CE82-A807-555B-0CAA-E403C5D93AF6}"/>
+                <a16:creationId xmlns:a16="http://schemas.microsoft.com/office/drawing/2014/main" id="{B8F7A107-E524-0892-FE19-2941A863C716}"/>
               </a:ext>
             </a:extLst>
           </p:cNvPr>
@@ -2411,7 +2411,7 @@
           <p:cNvPr id="7" name="灯片编号占位符 6">
             <a:extLst>
               <a:ext uri="{FF2B5EF4-FFF2-40B4-BE49-F238E27FC236}">
-                <a16:creationId xmlns:a16="http://schemas.microsoft.com/office/drawing/2014/main" id="{56CCFAF8-4657-EDC3-03EE-C6C30A5F615A}"/>
+                <a16:creationId xmlns:a16="http://schemas.microsoft.com/office/drawing/2014/main" id="{C1940346-E410-158F-5AC0-87C1BAC7C480}"/>
               </a:ext>
             </a:extLst>
           </p:cNvPr>
@@ -2427,7 +2427,7 @@
           <a:bodyPr/>
           <a:lstStyle/>
           <a:p>
-            <a:fld id="{DD314FD8-41B2-47FA-BD73-4B682B0B5187}" type="slidenum">
+            <a:fld id="{1F789A7B-7C57-4C8E-B498-1C914316AB19}" type="slidenum">
               <a:rPr lang="zh-CN" altLang="en-US" smtClean="0"/>
               <a:t>‹#›</a:t>
             </a:fld>
@@ -2438,7 +2438,7 @@
     </p:spTree>
     <p:extLst>
       <p:ext uri="{BB962C8B-B14F-4D97-AF65-F5344CB8AC3E}">
-        <p14:creationId xmlns:p14="http://schemas.microsoft.com/office/powerpoint/2010/main" val="2844872579"/>
+        <p14:creationId xmlns:p14="http://schemas.microsoft.com/office/powerpoint/2010/main" val="3248430281"/>
       </p:ext>
     </p:extLst>
   </p:cSld>
@@ -2470,7 +2470,7 @@
           <p:cNvPr id="2" name="标题 1">
             <a:extLst>
               <a:ext uri="{FF2B5EF4-FFF2-40B4-BE49-F238E27FC236}">
-                <a16:creationId xmlns:a16="http://schemas.microsoft.com/office/drawing/2014/main" id="{B29D13DC-152E-C1B8-2B0F-C65423105627}"/>
+                <a16:creationId xmlns:a16="http://schemas.microsoft.com/office/drawing/2014/main" id="{215A12AB-D8CE-9B72-A131-B91D9EAE22C1}"/>
               </a:ext>
             </a:extLst>
           </p:cNvPr>
@@ -2507,7 +2507,7 @@
           <p:cNvPr id="3" name="图片占位符 2">
             <a:extLst>
               <a:ext uri="{FF2B5EF4-FFF2-40B4-BE49-F238E27FC236}">
-                <a16:creationId xmlns:a16="http://schemas.microsoft.com/office/drawing/2014/main" id="{6943C484-D127-7177-B1C5-223384E374B6}"/>
+                <a16:creationId xmlns:a16="http://schemas.microsoft.com/office/drawing/2014/main" id="{56650B91-E424-C36C-5FAC-ADF9E7693F9E}"/>
               </a:ext>
             </a:extLst>
           </p:cNvPr>
@@ -2574,7 +2574,7 @@
           <p:cNvPr id="4" name="文本占位符 3">
             <a:extLst>
               <a:ext uri="{FF2B5EF4-FFF2-40B4-BE49-F238E27FC236}">
-                <a16:creationId xmlns:a16="http://schemas.microsoft.com/office/drawing/2014/main" id="{1DABF691-D06A-FFC5-967D-678E9B9DCAE1}"/>
+                <a16:creationId xmlns:a16="http://schemas.microsoft.com/office/drawing/2014/main" id="{1559A6B1-D0AF-A034-84AC-548FF1962FB4}"/>
               </a:ext>
             </a:extLst>
           </p:cNvPr>
@@ -2645,7 +2645,7 @@
           <p:cNvPr id="5" name="日期占位符 4">
             <a:extLst>
               <a:ext uri="{FF2B5EF4-FFF2-40B4-BE49-F238E27FC236}">
-                <a16:creationId xmlns:a16="http://schemas.microsoft.com/office/drawing/2014/main" id="{C2A0D725-A77B-658C-2D3D-EAA06F5EC76C}"/>
+                <a16:creationId xmlns:a16="http://schemas.microsoft.com/office/drawing/2014/main" id="{90B15116-FE9F-7684-BBEC-56A7F82FE831}"/>
               </a:ext>
             </a:extLst>
           </p:cNvPr>
@@ -2661,7 +2661,7 @@
           <a:bodyPr/>
           <a:lstStyle/>
           <a:p>
-            <a:fld id="{717CC213-EA89-47D3-9CF2-09B09F73E8D1}" type="datetimeFigureOut">
+            <a:fld id="{7FD5EAF6-E84F-4CE3-A0C0-E5E5938F4B3C}" type="datetimeFigureOut">
               <a:rPr lang="zh-CN" altLang="en-US" smtClean="0"/>
               <a:t>2024/3/10</a:t>
             </a:fld>
@@ -2674,7 +2674,7 @@
           <p:cNvPr id="6" name="页脚占位符 5">
             <a:extLst>
               <a:ext uri="{FF2B5EF4-FFF2-40B4-BE49-F238E27FC236}">
-                <a16:creationId xmlns:a16="http://schemas.microsoft.com/office/drawing/2014/main" id="{E64E77FA-02D0-08F9-D1A7-CCDD300C251E}"/>
+                <a16:creationId xmlns:a16="http://schemas.microsoft.com/office/drawing/2014/main" id="{7F99860F-F5C1-4BD0-4A23-FA4132A6F4FE}"/>
               </a:ext>
             </a:extLst>
           </p:cNvPr>
@@ -2699,7 +2699,7 @@
           <p:cNvPr id="7" name="灯片编号占位符 6">
             <a:extLst>
               <a:ext uri="{FF2B5EF4-FFF2-40B4-BE49-F238E27FC236}">
-                <a16:creationId xmlns:a16="http://schemas.microsoft.com/office/drawing/2014/main" id="{6C7C5E50-6236-5904-7797-FBDCA09259A2}"/>
+                <a16:creationId xmlns:a16="http://schemas.microsoft.com/office/drawing/2014/main" id="{97965E3E-3C4A-9F7B-6679-48839F7BC838}"/>
               </a:ext>
             </a:extLst>
           </p:cNvPr>
@@ -2715,7 +2715,7 @@
           <a:bodyPr/>
           <a:lstStyle/>
           <a:p>
-            <a:fld id="{DD314FD8-41B2-47FA-BD73-4B682B0B5187}" type="slidenum">
+            <a:fld id="{1F789A7B-7C57-4C8E-B498-1C914316AB19}" type="slidenum">
               <a:rPr lang="zh-CN" altLang="en-US" smtClean="0"/>
               <a:t>‹#›</a:t>
             </a:fld>
@@ -2726,7 +2726,7 @@
     </p:spTree>
     <p:extLst>
       <p:ext uri="{BB962C8B-B14F-4D97-AF65-F5344CB8AC3E}">
-        <p14:creationId xmlns:p14="http://schemas.microsoft.com/office/powerpoint/2010/main" val="4015070775"/>
+        <p14:creationId xmlns:p14="http://schemas.microsoft.com/office/powerpoint/2010/main" val="2591764782"/>
       </p:ext>
     </p:extLst>
   </p:cSld>
@@ -2763,7 +2763,7 @@
           <p:cNvPr id="2" name="标题占位符 1">
             <a:extLst>
               <a:ext uri="{FF2B5EF4-FFF2-40B4-BE49-F238E27FC236}">
-                <a16:creationId xmlns:a16="http://schemas.microsoft.com/office/drawing/2014/main" id="{3EDA7BE5-7D42-82FE-4859-93356C365BCD}"/>
+                <a16:creationId xmlns:a16="http://schemas.microsoft.com/office/drawing/2014/main" id="{2295A7E0-72AB-D420-A5B6-41F996B81F6F}"/>
               </a:ext>
             </a:extLst>
           </p:cNvPr>
@@ -2801,7 +2801,7 @@
           <p:cNvPr id="3" name="文本占位符 2">
             <a:extLst>
               <a:ext uri="{FF2B5EF4-FFF2-40B4-BE49-F238E27FC236}">
-                <a16:creationId xmlns:a16="http://schemas.microsoft.com/office/drawing/2014/main" id="{59FB4426-EB51-EBEC-6169-DAE9385553E5}"/>
+                <a16:creationId xmlns:a16="http://schemas.microsoft.com/office/drawing/2014/main" id="{81154A83-E7FE-02C5-12A1-E727B3650B43}"/>
               </a:ext>
             </a:extLst>
           </p:cNvPr>
@@ -2868,7 +2868,7 @@
           <p:cNvPr id="4" name="日期占位符 3">
             <a:extLst>
               <a:ext uri="{FF2B5EF4-FFF2-40B4-BE49-F238E27FC236}">
-                <a16:creationId xmlns:a16="http://schemas.microsoft.com/office/drawing/2014/main" id="{A308BE95-35ED-F0BE-FBB8-AA60191866AB}"/>
+                <a16:creationId xmlns:a16="http://schemas.microsoft.com/office/drawing/2014/main" id="{E5051CFB-81B0-CF52-46E3-FCCE6B195AA4}"/>
               </a:ext>
             </a:extLst>
           </p:cNvPr>
@@ -2902,7 +2902,7 @@
             </a:lvl1pPr>
           </a:lstStyle>
           <a:p>
-            <a:fld id="{717CC213-EA89-47D3-9CF2-09B09F73E8D1}" type="datetimeFigureOut">
+            <a:fld id="{7FD5EAF6-E84F-4CE3-A0C0-E5E5938F4B3C}" type="datetimeFigureOut">
               <a:rPr lang="zh-CN" altLang="en-US" smtClean="0"/>
               <a:t>2024/3/10</a:t>
             </a:fld>
@@ -2915,7 +2915,7 @@
           <p:cNvPr id="5" name="页脚占位符 4">
             <a:extLst>
               <a:ext uri="{FF2B5EF4-FFF2-40B4-BE49-F238E27FC236}">
-                <a16:creationId xmlns:a16="http://schemas.microsoft.com/office/drawing/2014/main" id="{0F087C05-73B0-B268-8A4D-1049858CAA96}"/>
+                <a16:creationId xmlns:a16="http://schemas.microsoft.com/office/drawing/2014/main" id="{C94BBCEC-D41C-2AF0-BE23-3BECC69F2F3D}"/>
               </a:ext>
             </a:extLst>
           </p:cNvPr>
@@ -2958,7 +2958,7 @@
           <p:cNvPr id="6" name="灯片编号占位符 5">
             <a:extLst>
               <a:ext uri="{FF2B5EF4-FFF2-40B4-BE49-F238E27FC236}">
-                <a16:creationId xmlns:a16="http://schemas.microsoft.com/office/drawing/2014/main" id="{91C74FF1-1DD0-972A-37A9-9267A0A744A3}"/>
+                <a16:creationId xmlns:a16="http://schemas.microsoft.com/office/drawing/2014/main" id="{BBB0159F-C6AC-D71D-FB00-AABF1BD46A8E}"/>
               </a:ext>
             </a:extLst>
           </p:cNvPr>
@@ -2992,7 +2992,7 @@
             </a:lvl1pPr>
           </a:lstStyle>
           <a:p>
-            <a:fld id="{DD314FD8-41B2-47FA-BD73-4B682B0B5187}" type="slidenum">
+            <a:fld id="{1F789A7B-7C57-4C8E-B498-1C914316AB19}" type="slidenum">
               <a:rPr lang="zh-CN" altLang="en-US" smtClean="0"/>
               <a:t>‹#›</a:t>
             </a:fld>
@@ -3003,7 +3003,7 @@
     </p:spTree>
     <p:extLst>
       <p:ext uri="{BB962C8B-B14F-4D97-AF65-F5344CB8AC3E}">
-        <p14:creationId xmlns:p14="http://schemas.microsoft.com/office/powerpoint/2010/main" val="306873203"/>
+        <p14:creationId xmlns:p14="http://schemas.microsoft.com/office/powerpoint/2010/main" val="755138232"/>
       </p:ext>
     </p:extLst>
   </p:cSld>
@@ -3323,7 +3323,7 @@
       </p:grpSpPr>
       <p:pic>
         <p:nvPicPr>
-          <p:cNvPr id="454658" name="Picture 2" descr="443"/>
+          <p:cNvPr id="455682" name="Picture 2" descr="444"/>
           <p:cNvPicPr>
             <a:picLocks noChangeAspect="1" noChangeArrowheads="1"/>
           </p:cNvPicPr>
